--- a/PPT/KLUE benchmark.pptx
+++ b/PPT/KLUE benchmark.pptx
@@ -4180,7 +4180,7 @@
                     <a:p>
                       <a:pPr algn="ctr" latinLnBrk="1"/>
                       <a:r>
-                        <a:rPr lang="en-US" altLang="ko-KR" sz="1500"/>
+                        <a:rPr lang="en-US" altLang="ko-KR" sz="1500" dirty="0"/>
                         <a:t>27.05</a:t>
                       </a:r>
                       <a:endParaRPr lang="ko-KR" altLang="en-US" sz="1500" dirty="0"/>
@@ -4663,7 +4663,7 @@
         </p:nvSpPr>
         <p:spPr>
           <a:xfrm>
-            <a:off x="4961261" y="2495784"/>
+            <a:off x="4874763" y="2742919"/>
             <a:ext cx="2269475" cy="369332"/>
           </a:xfrm>
           <a:prstGeom prst="rect">
